--- a/Reports & Feedbacks/Poster - Political Motivation behind French EV Promotion.pptx
+++ b/Reports & Feedbacks/Poster - Political Motivation behind French EV Promotion.pptx
@@ -107,6 +107,11 @@
       </a:defRPr>
     </a:lvl9pPr>
   </p:defaultTextStyle>
+  <p:extLst>
+    <p:ext uri="{EFAFB233-063F-42B5-8137-9DF3F51BA10A}">
+      <p15:sldGuideLst xmlns:p15="http://schemas.microsoft.com/office/powerpoint/2012/main"/>
+    </p:ext>
+  </p:extLst>
 </p:presentation>
 </file>
 
@@ -192,7 +197,7 @@
           <a:p>
             <a:fld id="{B5BDD7F0-4658-48DE-8967-36B1DEA5F49C}" type="datetimeFigureOut">
               <a:rPr lang="zh-CN" altLang="en-US" smtClean="0"/>
-              <a:t>2020/4/26</a:t>
+              <a:t>2020/4/27</a:t>
             </a:fld>
             <a:endParaRPr lang="zh-CN" altLang="en-US"/>
           </a:p>
@@ -503,684 +508,6 @@
           <a:bodyPr/>
           <a:lstStyle/>
           <a:p>
-            <a:pPr rtl="0"/>
-            <a:r>
-              <a:rPr lang="en-US" altLang="zh-CN" sz="4603" kern="1200" dirty="0">
-                <a:solidFill>
-                  <a:schemeClr val="tx1"/>
-                </a:solidFill>
-                <a:effectLst/>
-                <a:latin typeface="+mn-lt"/>
-                <a:ea typeface="+mn-ea"/>
-                <a:cs typeface="+mn-cs"/>
-              </a:rPr>
-              <a:t>Hi, this is Adele </a:t>
-            </a:r>
-          </a:p>
-          <a:p>
-            <a:pPr rtl="0"/>
-            <a:r>
-              <a:rPr lang="en-US" altLang="zh-CN" sz="4603" kern="1200" dirty="0">
-                <a:solidFill>
-                  <a:schemeClr val="tx1"/>
-                </a:solidFill>
-                <a:effectLst/>
-                <a:latin typeface="+mn-lt"/>
-                <a:ea typeface="+mn-ea"/>
-                <a:cs typeface="+mn-cs"/>
-              </a:rPr>
-              <a:t> </a:t>
-            </a:r>
-          </a:p>
-          <a:p>
-            <a:pPr rtl="0"/>
-            <a:r>
-              <a:rPr lang="en-US" altLang="zh-CN" sz="4603" kern="1200" dirty="0">
-                <a:solidFill>
-                  <a:schemeClr val="tx1"/>
-                </a:solidFill>
-                <a:effectLst/>
-                <a:latin typeface="+mn-lt"/>
-                <a:ea typeface="+mn-ea"/>
-                <a:cs typeface="+mn-cs"/>
-              </a:rPr>
-              <a:t>Thanks for listening to my project presentation for the course Python Programming for Data Scientists at Hertie School</a:t>
-            </a:r>
-          </a:p>
-          <a:p>
-            <a:pPr rtl="0"/>
-            <a:r>
-              <a:rPr lang="en-US" altLang="zh-CN" sz="4603" kern="1200" dirty="0">
-                <a:solidFill>
-                  <a:schemeClr val="tx1"/>
-                </a:solidFill>
-                <a:effectLst/>
-                <a:latin typeface="+mn-lt"/>
-                <a:ea typeface="+mn-ea"/>
-                <a:cs typeface="+mn-cs"/>
-              </a:rPr>
-              <a:t> </a:t>
-            </a:r>
-          </a:p>
-          <a:p>
-            <a:pPr rtl="0"/>
-            <a:r>
-              <a:rPr lang="en-US" altLang="zh-CN" sz="4603" kern="1200" dirty="0">
-                <a:solidFill>
-                  <a:schemeClr val="tx1"/>
-                </a:solidFill>
-                <a:effectLst/>
-                <a:latin typeface="+mn-lt"/>
-                <a:ea typeface="+mn-ea"/>
-                <a:cs typeface="+mn-cs"/>
-              </a:rPr>
-              <a:t>Public policies are often out of mixed motivation. If we don't want to read hundreds of press release, meeting notes and speeches on our own, how can we know what's in the mind of policymakers?</a:t>
-            </a:r>
-          </a:p>
-          <a:p>
-            <a:pPr rtl="0"/>
-            <a:r>
-              <a:rPr lang="en-US" altLang="zh-CN" sz="4603" kern="1200" dirty="0">
-                <a:solidFill>
-                  <a:schemeClr val="tx1"/>
-                </a:solidFill>
-                <a:effectLst/>
-                <a:latin typeface="+mn-lt"/>
-                <a:ea typeface="+mn-ea"/>
-                <a:cs typeface="+mn-cs"/>
-              </a:rPr>
-              <a:t> </a:t>
-            </a:r>
-          </a:p>
-          <a:p>
-            <a:pPr rtl="0"/>
-            <a:r>
-              <a:rPr lang="en-US" altLang="zh-CN" sz="4603" kern="1200" dirty="0">
-                <a:solidFill>
-                  <a:schemeClr val="tx1"/>
-                </a:solidFill>
-                <a:effectLst/>
-                <a:latin typeface="+mn-lt"/>
-                <a:ea typeface="+mn-ea"/>
-                <a:cs typeface="+mn-cs"/>
-              </a:rPr>
-              <a:t>This project aims at exploring an alternative with the case study "on Political motivation behind French government's endorsement for the electric vehicle industry". I divide my project implementation into three parts:</a:t>
-            </a:r>
-          </a:p>
-          <a:p>
-            <a:pPr rtl="0" fontAlgn="ctr"/>
-            <a:r>
-              <a:rPr lang="en-US" altLang="zh-CN" sz="4603" b="0" i="0" kern="1200" dirty="0">
-                <a:solidFill>
-                  <a:schemeClr val="tx1"/>
-                </a:solidFill>
-                <a:effectLst/>
-                <a:latin typeface="+mn-lt"/>
-                <a:ea typeface="+mn-ea"/>
-                <a:cs typeface="+mn-cs"/>
-              </a:rPr>
-              <a:t>Crawl all relevant documents from the French government website using the </a:t>
-            </a:r>
-            <a:r>
-              <a:rPr lang="en-US" altLang="zh-CN" sz="4603" b="0" i="0" kern="1200" dirty="0" err="1">
-                <a:solidFill>
-                  <a:schemeClr val="tx1"/>
-                </a:solidFill>
-                <a:effectLst/>
-                <a:latin typeface="+mn-lt"/>
-                <a:ea typeface="+mn-ea"/>
-                <a:cs typeface="+mn-cs"/>
-              </a:rPr>
-              <a:t>scrapy</a:t>
-            </a:r>
-            <a:r>
-              <a:rPr lang="en-US" altLang="zh-CN" sz="4603" b="0" i="0" kern="1200" dirty="0">
-                <a:solidFill>
-                  <a:schemeClr val="tx1"/>
-                </a:solidFill>
-                <a:effectLst/>
-                <a:latin typeface="+mn-lt"/>
-                <a:ea typeface="+mn-ea"/>
-                <a:cs typeface="+mn-cs"/>
-              </a:rPr>
-              <a:t> library</a:t>
-            </a:r>
-          </a:p>
-          <a:p>
-            <a:pPr rtl="0" fontAlgn="ctr"/>
-            <a:r>
-              <a:rPr lang="en-US" altLang="zh-CN" sz="4603" b="0" i="0" kern="1200" dirty="0">
-                <a:solidFill>
-                  <a:schemeClr val="tx1"/>
-                </a:solidFill>
-                <a:effectLst/>
-                <a:latin typeface="+mn-lt"/>
-                <a:ea typeface="+mn-ea"/>
-                <a:cs typeface="+mn-cs"/>
-              </a:rPr>
-              <a:t>discover the hidden relations between terms and topics by constructing a latent </a:t>
-            </a:r>
-            <a:r>
-              <a:rPr lang="en-US" altLang="zh-CN" sz="4603" b="0" i="0" kern="1200" dirty="0" err="1">
-                <a:solidFill>
-                  <a:schemeClr val="tx1"/>
-                </a:solidFill>
-                <a:effectLst/>
-                <a:latin typeface="+mn-lt"/>
-                <a:ea typeface="+mn-ea"/>
-                <a:cs typeface="+mn-cs"/>
-              </a:rPr>
-              <a:t>dirichlet</a:t>
-            </a:r>
-            <a:r>
-              <a:rPr lang="en-US" altLang="zh-CN" sz="4603" b="0" i="0" kern="1200" dirty="0">
-                <a:solidFill>
-                  <a:schemeClr val="tx1"/>
-                </a:solidFill>
-                <a:effectLst/>
-                <a:latin typeface="+mn-lt"/>
-                <a:ea typeface="+mn-ea"/>
-                <a:cs typeface="+mn-cs"/>
-              </a:rPr>
-              <a:t> allocation topic modeling with gensim library </a:t>
-            </a:r>
-          </a:p>
-          <a:p>
-            <a:pPr rtl="0" fontAlgn="ctr"/>
-            <a:r>
-              <a:rPr lang="en-US" altLang="zh-CN" sz="4603" b="0" i="0" kern="1200" dirty="0">
-                <a:solidFill>
-                  <a:schemeClr val="tx1"/>
-                </a:solidFill>
-                <a:effectLst/>
-                <a:latin typeface="+mn-lt"/>
-                <a:ea typeface="+mn-ea"/>
-                <a:cs typeface="+mn-cs"/>
-              </a:rPr>
-              <a:t>Visualize the findings with </a:t>
-            </a:r>
-            <a:r>
-              <a:rPr lang="en-US" altLang="zh-CN" sz="4603" b="0" i="0" kern="1200" dirty="0" err="1">
-                <a:solidFill>
-                  <a:schemeClr val="tx1"/>
-                </a:solidFill>
-                <a:effectLst/>
-                <a:latin typeface="+mn-lt"/>
-                <a:ea typeface="+mn-ea"/>
-                <a:cs typeface="+mn-cs"/>
-              </a:rPr>
-              <a:t>pyLDAvis</a:t>
-            </a:r>
-            <a:r>
-              <a:rPr lang="en-US" altLang="zh-CN" sz="4603" b="0" i="0" kern="1200" dirty="0">
-                <a:solidFill>
-                  <a:schemeClr val="tx1"/>
-                </a:solidFill>
-                <a:effectLst/>
-                <a:latin typeface="+mn-lt"/>
-                <a:ea typeface="+mn-ea"/>
-                <a:cs typeface="+mn-cs"/>
-              </a:rPr>
-              <a:t> package, showing the proportion of each topic in the corpus and their relative distance</a:t>
-            </a:r>
-          </a:p>
-          <a:p>
-            <a:pPr rtl="0"/>
-            <a:r>
-              <a:rPr lang="en-US" altLang="zh-CN" sz="4603" kern="1200" dirty="0">
-                <a:solidFill>
-                  <a:schemeClr val="tx1"/>
-                </a:solidFill>
-                <a:effectLst/>
-                <a:latin typeface="+mn-lt"/>
-                <a:ea typeface="+mn-ea"/>
-                <a:cs typeface="+mn-cs"/>
-              </a:rPr>
-              <a:t> </a:t>
-            </a:r>
-          </a:p>
-          <a:p>
-            <a:pPr rtl="0"/>
-            <a:r>
-              <a:rPr lang="en-US" altLang="zh-CN" sz="4603" kern="1200" dirty="0">
-                <a:solidFill>
-                  <a:schemeClr val="tx1"/>
-                </a:solidFill>
-                <a:effectLst/>
-                <a:latin typeface="+mn-lt"/>
-                <a:ea typeface="+mn-ea"/>
-                <a:cs typeface="+mn-cs"/>
-              </a:rPr>
-              <a:t>On the right hand side of the poster, you can see a screen shot of the interactive graph generated with </a:t>
-            </a:r>
-            <a:r>
-              <a:rPr lang="en-US" altLang="zh-CN" sz="4603" kern="1200" dirty="0" err="1">
-                <a:solidFill>
-                  <a:schemeClr val="tx1"/>
-                </a:solidFill>
-                <a:effectLst/>
-                <a:latin typeface="+mn-lt"/>
-                <a:ea typeface="+mn-ea"/>
-                <a:cs typeface="+mn-cs"/>
-              </a:rPr>
-              <a:t>pyLDAvis</a:t>
-            </a:r>
-            <a:r>
-              <a:rPr lang="en-US" altLang="zh-CN" sz="4603" kern="1200" dirty="0">
-                <a:solidFill>
-                  <a:schemeClr val="tx1"/>
-                </a:solidFill>
-                <a:effectLst/>
-                <a:latin typeface="+mn-lt"/>
-                <a:ea typeface="+mn-ea"/>
-                <a:cs typeface="+mn-cs"/>
-              </a:rPr>
-              <a:t> package.</a:t>
-            </a:r>
-          </a:p>
-          <a:p>
-            <a:pPr rtl="0"/>
-            <a:r>
-              <a:rPr lang="zh-CN" altLang="zh-CN" sz="4603" kern="1200" dirty="0">
-                <a:solidFill>
-                  <a:schemeClr val="tx1"/>
-                </a:solidFill>
-                <a:effectLst/>
-                <a:latin typeface="+mn-lt"/>
-                <a:ea typeface="+mn-ea"/>
-                <a:cs typeface="+mn-cs"/>
-              </a:rPr>
-              <a:t> </a:t>
-            </a:r>
-          </a:p>
-          <a:p>
-            <a:pPr rtl="0"/>
-            <a:r>
-              <a:rPr lang="en-US" altLang="zh-CN" sz="4603" kern="1200" dirty="0">
-                <a:solidFill>
-                  <a:schemeClr val="tx1"/>
-                </a:solidFill>
-                <a:effectLst/>
-                <a:latin typeface="+mn-lt"/>
-                <a:ea typeface="+mn-ea"/>
-                <a:cs typeface="+mn-cs"/>
-              </a:rPr>
-              <a:t>This project finds that there is a high concentration of industry related terms in topic one, shown as the biggest red circle. It implies that government eagerness to plan an industrial upgrade probably outweighs ecological concerns. E</a:t>
-            </a:r>
-            <a:r>
-              <a:rPr lang="zh-CN" altLang="zh-CN" sz="4603" kern="1200" dirty="0">
-                <a:solidFill>
-                  <a:schemeClr val="tx1"/>
-                </a:solidFill>
-                <a:effectLst/>
-                <a:latin typeface="+mn-lt"/>
-                <a:ea typeface="+mn-ea"/>
-                <a:cs typeface="+mn-cs"/>
-              </a:rPr>
-              <a:t>nvironment</a:t>
-            </a:r>
-            <a:r>
-              <a:rPr lang="en-US" altLang="zh-CN" sz="4603" kern="1200" dirty="0">
-                <a:solidFill>
-                  <a:schemeClr val="tx1"/>
-                </a:solidFill>
-                <a:effectLst/>
-                <a:latin typeface="+mn-lt"/>
-                <a:ea typeface="+mn-ea"/>
-                <a:cs typeface="+mn-cs"/>
-              </a:rPr>
-              <a:t> related terms</a:t>
-            </a:r>
-            <a:r>
-              <a:rPr lang="zh-CN" altLang="zh-CN" sz="4603" kern="1200" dirty="0">
-                <a:solidFill>
-                  <a:schemeClr val="tx1"/>
-                </a:solidFill>
-                <a:effectLst/>
-                <a:latin typeface="+mn-lt"/>
-                <a:ea typeface="+mn-ea"/>
-                <a:cs typeface="+mn-cs"/>
-              </a:rPr>
-              <a:t> </a:t>
-            </a:r>
-            <a:r>
-              <a:rPr lang="en-US" altLang="zh-CN" sz="4603" kern="1200" dirty="0">
-                <a:solidFill>
-                  <a:schemeClr val="tx1"/>
-                </a:solidFill>
-                <a:effectLst/>
-                <a:latin typeface="+mn-lt"/>
-                <a:ea typeface="+mn-ea"/>
-                <a:cs typeface="+mn-cs"/>
-              </a:rPr>
-              <a:t>are</a:t>
-            </a:r>
-            <a:r>
-              <a:rPr lang="zh-CN" altLang="zh-CN" sz="4603" kern="1200" dirty="0">
-                <a:solidFill>
-                  <a:schemeClr val="tx1"/>
-                </a:solidFill>
-                <a:effectLst/>
-                <a:latin typeface="+mn-lt"/>
-                <a:ea typeface="+mn-ea"/>
-                <a:cs typeface="+mn-cs"/>
-              </a:rPr>
-              <a:t> </a:t>
-            </a:r>
-            <a:r>
-              <a:rPr lang="en-US" altLang="zh-CN" sz="4603" kern="1200" dirty="0">
-                <a:solidFill>
-                  <a:schemeClr val="tx1"/>
-                </a:solidFill>
-                <a:effectLst/>
-                <a:latin typeface="+mn-lt"/>
-                <a:ea typeface="+mn-ea"/>
-                <a:cs typeface="+mn-cs"/>
-              </a:rPr>
-              <a:t>more widely and equally </a:t>
-            </a:r>
-            <a:r>
-              <a:rPr lang="zh-CN" altLang="zh-CN" sz="4603" kern="1200" dirty="0">
-                <a:solidFill>
-                  <a:schemeClr val="tx1"/>
-                </a:solidFill>
-                <a:effectLst/>
-                <a:latin typeface="+mn-lt"/>
-                <a:ea typeface="+mn-ea"/>
-                <a:cs typeface="+mn-cs"/>
-              </a:rPr>
-              <a:t>associated with </a:t>
-            </a:r>
-            <a:r>
-              <a:rPr lang="en-US" altLang="zh-CN" sz="4603" kern="1200" dirty="0">
-                <a:solidFill>
-                  <a:schemeClr val="tx1"/>
-                </a:solidFill>
-                <a:effectLst/>
-                <a:latin typeface="+mn-lt"/>
-                <a:ea typeface="+mn-ea"/>
-                <a:cs typeface="+mn-cs"/>
-              </a:rPr>
-              <a:t>high ranking </a:t>
-            </a:r>
-            <a:r>
-              <a:rPr lang="zh-CN" altLang="zh-CN" sz="4603" kern="1200" dirty="0">
-                <a:solidFill>
-                  <a:schemeClr val="tx1"/>
-                </a:solidFill>
-                <a:effectLst/>
-                <a:latin typeface="+mn-lt"/>
-                <a:ea typeface="+mn-ea"/>
-                <a:cs typeface="+mn-cs"/>
-              </a:rPr>
-              <a:t>topics</a:t>
-            </a:r>
-            <a:r>
-              <a:rPr lang="en-US" altLang="zh-CN" sz="4603" kern="1200" dirty="0">
-                <a:solidFill>
-                  <a:schemeClr val="tx1"/>
-                </a:solidFill>
-                <a:effectLst/>
-                <a:latin typeface="+mn-lt"/>
-                <a:ea typeface="+mn-ea"/>
-                <a:cs typeface="+mn-cs"/>
-              </a:rPr>
-              <a:t>.</a:t>
-            </a:r>
-            <a:r>
-              <a:rPr lang="zh-CN" altLang="zh-CN" sz="4603" kern="1200" dirty="0">
-                <a:solidFill>
-                  <a:schemeClr val="tx1"/>
-                </a:solidFill>
-                <a:effectLst/>
-                <a:latin typeface="+mn-lt"/>
-                <a:ea typeface="+mn-ea"/>
-                <a:cs typeface="+mn-cs"/>
-              </a:rPr>
-              <a:t> </a:t>
-            </a:r>
-            <a:r>
-              <a:rPr lang="en-US" altLang="zh-CN" sz="4603" kern="1200" dirty="0">
-                <a:solidFill>
-                  <a:schemeClr val="tx1"/>
-                </a:solidFill>
-                <a:effectLst/>
-                <a:latin typeface="+mn-lt"/>
-                <a:ea typeface="+mn-ea"/>
-                <a:cs typeface="+mn-cs"/>
-              </a:rPr>
-              <a:t>T</a:t>
-            </a:r>
-            <a:r>
-              <a:rPr lang="zh-CN" altLang="zh-CN" sz="4603" kern="1200" dirty="0">
-                <a:solidFill>
-                  <a:schemeClr val="tx1"/>
-                </a:solidFill>
-                <a:effectLst/>
-                <a:latin typeface="+mn-lt"/>
-                <a:ea typeface="+mn-ea"/>
-                <a:cs typeface="+mn-cs"/>
-              </a:rPr>
-              <a:t>hus</a:t>
-            </a:r>
-            <a:r>
-              <a:rPr lang="en-US" altLang="zh-CN" sz="4603" kern="1200" dirty="0">
-                <a:solidFill>
-                  <a:schemeClr val="tx1"/>
-                </a:solidFill>
-                <a:effectLst/>
-                <a:latin typeface="+mn-lt"/>
-                <a:ea typeface="+mn-ea"/>
-                <a:cs typeface="+mn-cs"/>
-              </a:rPr>
-              <a:t>, it is</a:t>
-            </a:r>
-            <a:r>
-              <a:rPr lang="zh-CN" altLang="zh-CN" sz="4603" kern="1200" dirty="0">
-                <a:solidFill>
-                  <a:schemeClr val="tx1"/>
-                </a:solidFill>
-                <a:effectLst/>
-                <a:latin typeface="+mn-lt"/>
-                <a:ea typeface="+mn-ea"/>
-                <a:cs typeface="+mn-cs"/>
-              </a:rPr>
-              <a:t> maybe a more </a:t>
-            </a:r>
-            <a:r>
-              <a:rPr lang="en-US" altLang="zh-CN" sz="4603" kern="1200" dirty="0" err="1">
-                <a:solidFill>
-                  <a:schemeClr val="tx1"/>
-                </a:solidFill>
-                <a:effectLst/>
-                <a:latin typeface="+mn-lt"/>
-                <a:ea typeface="+mn-ea"/>
-                <a:cs typeface="+mn-cs"/>
-              </a:rPr>
-              <a:t>prevalant</a:t>
-            </a:r>
-            <a:r>
-              <a:rPr lang="zh-CN" altLang="zh-CN" sz="4603" kern="1200" dirty="0">
-                <a:solidFill>
-                  <a:schemeClr val="tx1"/>
-                </a:solidFill>
-                <a:effectLst/>
-                <a:latin typeface="+mn-lt"/>
-                <a:ea typeface="+mn-ea"/>
-                <a:cs typeface="+mn-cs"/>
-              </a:rPr>
-              <a:t> </a:t>
-            </a:r>
-            <a:r>
-              <a:rPr lang="en-US" altLang="zh-CN" sz="4603" kern="1200" dirty="0">
-                <a:solidFill>
-                  <a:schemeClr val="tx1"/>
-                </a:solidFill>
-                <a:effectLst/>
-                <a:latin typeface="+mn-lt"/>
-                <a:ea typeface="+mn-ea"/>
-                <a:cs typeface="+mn-cs"/>
-              </a:rPr>
-              <a:t>theme</a:t>
-            </a:r>
-            <a:r>
-              <a:rPr lang="zh-CN" altLang="zh-CN" sz="4603" kern="1200" dirty="0">
-                <a:solidFill>
-                  <a:schemeClr val="tx1"/>
-                </a:solidFill>
-                <a:effectLst/>
-                <a:latin typeface="+mn-lt"/>
-                <a:ea typeface="+mn-ea"/>
-                <a:cs typeface="+mn-cs"/>
-              </a:rPr>
-              <a:t> </a:t>
-            </a:r>
-            <a:r>
-              <a:rPr lang="en-US" altLang="zh-CN" sz="4603" kern="1200" dirty="0">
-                <a:solidFill>
-                  <a:schemeClr val="tx1"/>
-                </a:solidFill>
-                <a:effectLst/>
-                <a:latin typeface="+mn-lt"/>
-                <a:ea typeface="+mn-ea"/>
-                <a:cs typeface="+mn-cs"/>
-              </a:rPr>
-              <a:t>for</a:t>
-            </a:r>
-            <a:r>
-              <a:rPr lang="zh-CN" altLang="zh-CN" sz="4603" kern="1200" dirty="0">
-                <a:solidFill>
-                  <a:schemeClr val="tx1"/>
-                </a:solidFill>
-                <a:effectLst/>
-                <a:latin typeface="+mn-lt"/>
-                <a:ea typeface="+mn-ea"/>
-                <a:cs typeface="+mn-cs"/>
-              </a:rPr>
-              <a:t> the French government. </a:t>
-            </a:r>
-          </a:p>
-          <a:p>
-            <a:pPr rtl="0"/>
-            <a:r>
-              <a:rPr lang="zh-CN" altLang="zh-CN" sz="4603" kern="1200" dirty="0">
-                <a:solidFill>
-                  <a:schemeClr val="tx1"/>
-                </a:solidFill>
-                <a:effectLst/>
-                <a:latin typeface="+mn-lt"/>
-                <a:ea typeface="+mn-ea"/>
-                <a:cs typeface="+mn-cs"/>
-              </a:rPr>
-              <a:t> </a:t>
-            </a:r>
-          </a:p>
-          <a:p>
-            <a:pPr rtl="0"/>
-            <a:r>
-              <a:rPr lang="zh-CN" altLang="zh-CN" sz="4603" kern="1200" dirty="0">
-                <a:solidFill>
-                  <a:schemeClr val="tx1"/>
-                </a:solidFill>
-                <a:effectLst/>
-                <a:latin typeface="+mn-lt"/>
-                <a:ea typeface="+mn-ea"/>
-                <a:cs typeface="+mn-cs"/>
-              </a:rPr>
-              <a:t>Both Scrapy and LDA are easily scalable and can be adapted to future research of a similar nature with a much bigger corpus. </a:t>
-            </a:r>
-          </a:p>
-          <a:p>
-            <a:pPr rtl="0"/>
-            <a:r>
-              <a:rPr lang="zh-CN" altLang="zh-CN" sz="4603" kern="1200" dirty="0">
-                <a:solidFill>
-                  <a:schemeClr val="tx1"/>
-                </a:solidFill>
-                <a:effectLst/>
-                <a:latin typeface="+mn-lt"/>
-                <a:ea typeface="+mn-ea"/>
-                <a:cs typeface="+mn-cs"/>
-              </a:rPr>
-              <a:t> </a:t>
-            </a:r>
-          </a:p>
-          <a:p>
-            <a:pPr rtl="0"/>
-            <a:r>
-              <a:rPr lang="en-US" altLang="zh-CN" sz="4603" kern="1200" dirty="0">
-                <a:solidFill>
-                  <a:schemeClr val="tx1"/>
-                </a:solidFill>
-                <a:effectLst/>
-                <a:latin typeface="+mn-lt"/>
-                <a:ea typeface="+mn-ea"/>
-                <a:cs typeface="+mn-cs"/>
-              </a:rPr>
-              <a:t>I am looking forward to your feedbacks, thanks for listening</a:t>
-            </a:r>
-          </a:p>
-          <a:p>
-            <a:pPr rtl="0"/>
-            <a:r>
-              <a:rPr lang="en-US" altLang="zh-CN" sz="4603" kern="1200" dirty="0">
-                <a:solidFill>
-                  <a:schemeClr val="tx1"/>
-                </a:solidFill>
-                <a:effectLst/>
-                <a:latin typeface="+mn-lt"/>
-                <a:ea typeface="+mn-ea"/>
-                <a:cs typeface="+mn-cs"/>
-              </a:rPr>
-              <a:t> </a:t>
-            </a:r>
-          </a:p>
-          <a:p>
-            <a:pPr rtl="0"/>
-            <a:r>
-              <a:rPr lang="en-US" altLang="zh-CN" sz="4603" kern="1200" dirty="0">
-                <a:solidFill>
-                  <a:schemeClr val="tx1"/>
-                </a:solidFill>
-                <a:effectLst/>
-                <a:latin typeface="+mn-lt"/>
-                <a:ea typeface="+mn-ea"/>
-                <a:cs typeface="+mn-cs"/>
-              </a:rPr>
-              <a:t> </a:t>
-            </a:r>
-          </a:p>
-          <a:p>
-            <a:pPr rtl="0"/>
-            <a:r>
-              <a:rPr lang="en-US" altLang="zh-CN" sz="4603" kern="1200" dirty="0">
-                <a:solidFill>
-                  <a:schemeClr val="tx1"/>
-                </a:solidFill>
-                <a:effectLst/>
-                <a:latin typeface="+mn-lt"/>
-                <a:ea typeface="+mn-ea"/>
-                <a:cs typeface="+mn-cs"/>
-              </a:rPr>
-              <a:t> </a:t>
-            </a:r>
-          </a:p>
-          <a:p>
-            <a:pPr rtl="0"/>
-            <a:r>
-              <a:rPr lang="en-US" altLang="zh-CN" sz="4603" kern="1200" dirty="0">
-                <a:solidFill>
-                  <a:schemeClr val="tx1"/>
-                </a:solidFill>
-                <a:effectLst/>
-                <a:latin typeface="+mn-lt"/>
-                <a:ea typeface="+mn-ea"/>
-                <a:cs typeface="+mn-cs"/>
-              </a:rPr>
-              <a:t> </a:t>
-            </a:r>
-          </a:p>
-          <a:p>
             <a:endParaRPr lang="zh-CN" altLang="en-US" dirty="0"/>
           </a:p>
         </p:txBody>
@@ -1352,7 +679,7 @@
           <a:p>
             <a:fld id="{E1415B78-10EF-476D-BEC0-422FD58BF2A2}" type="datetimeFigureOut">
               <a:rPr lang="zh-CN" altLang="en-US" smtClean="0"/>
-              <a:t>2020/4/26</a:t>
+              <a:t>2020/4/27</a:t>
             </a:fld>
             <a:endParaRPr lang="zh-CN" altLang="en-US"/>
           </a:p>
@@ -1522,7 +849,7 @@
           <a:p>
             <a:fld id="{E1415B78-10EF-476D-BEC0-422FD58BF2A2}" type="datetimeFigureOut">
               <a:rPr lang="zh-CN" altLang="en-US" smtClean="0"/>
-              <a:t>2020/4/26</a:t>
+              <a:t>2020/4/27</a:t>
             </a:fld>
             <a:endParaRPr lang="zh-CN" altLang="en-US"/>
           </a:p>
@@ -1702,7 +1029,7 @@
           <a:p>
             <a:fld id="{E1415B78-10EF-476D-BEC0-422FD58BF2A2}" type="datetimeFigureOut">
               <a:rPr lang="zh-CN" altLang="en-US" smtClean="0"/>
-              <a:t>2020/4/26</a:t>
+              <a:t>2020/4/27</a:t>
             </a:fld>
             <a:endParaRPr lang="zh-CN" altLang="en-US"/>
           </a:p>
@@ -1872,7 +1199,7 @@
           <a:p>
             <a:fld id="{E1415B78-10EF-476D-BEC0-422FD58BF2A2}" type="datetimeFigureOut">
               <a:rPr lang="zh-CN" altLang="en-US" smtClean="0"/>
-              <a:t>2020/4/26</a:t>
+              <a:t>2020/4/27</a:t>
             </a:fld>
             <a:endParaRPr lang="zh-CN" altLang="en-US"/>
           </a:p>
@@ -2116,7 +1443,7 @@
           <a:p>
             <a:fld id="{E1415B78-10EF-476D-BEC0-422FD58BF2A2}" type="datetimeFigureOut">
               <a:rPr lang="zh-CN" altLang="en-US" smtClean="0"/>
-              <a:t>2020/4/26</a:t>
+              <a:t>2020/4/27</a:t>
             </a:fld>
             <a:endParaRPr lang="zh-CN" altLang="en-US"/>
           </a:p>
@@ -2348,7 +1675,7 @@
           <a:p>
             <a:fld id="{E1415B78-10EF-476D-BEC0-422FD58BF2A2}" type="datetimeFigureOut">
               <a:rPr lang="zh-CN" altLang="en-US" smtClean="0"/>
-              <a:t>2020/4/26</a:t>
+              <a:t>2020/4/27</a:t>
             </a:fld>
             <a:endParaRPr lang="zh-CN" altLang="en-US"/>
           </a:p>
@@ -2715,7 +2042,7 @@
           <a:p>
             <a:fld id="{E1415B78-10EF-476D-BEC0-422FD58BF2A2}" type="datetimeFigureOut">
               <a:rPr lang="zh-CN" altLang="en-US" smtClean="0"/>
-              <a:t>2020/4/26</a:t>
+              <a:t>2020/4/27</a:t>
             </a:fld>
             <a:endParaRPr lang="zh-CN" altLang="en-US"/>
           </a:p>
@@ -2833,7 +2160,7 @@
           <a:p>
             <a:fld id="{E1415B78-10EF-476D-BEC0-422FD58BF2A2}" type="datetimeFigureOut">
               <a:rPr lang="zh-CN" altLang="en-US" smtClean="0"/>
-              <a:t>2020/4/26</a:t>
+              <a:t>2020/4/27</a:t>
             </a:fld>
             <a:endParaRPr lang="zh-CN" altLang="en-US"/>
           </a:p>
@@ -2928,7 +2255,7 @@
           <a:p>
             <a:fld id="{E1415B78-10EF-476D-BEC0-422FD58BF2A2}" type="datetimeFigureOut">
               <a:rPr lang="zh-CN" altLang="en-US" smtClean="0"/>
-              <a:t>2020/4/26</a:t>
+              <a:t>2020/4/27</a:t>
             </a:fld>
             <a:endParaRPr lang="zh-CN" altLang="en-US"/>
           </a:p>
@@ -3205,7 +2532,7 @@
           <a:p>
             <a:fld id="{E1415B78-10EF-476D-BEC0-422FD58BF2A2}" type="datetimeFigureOut">
               <a:rPr lang="zh-CN" altLang="en-US" smtClean="0"/>
-              <a:t>2020/4/26</a:t>
+              <a:t>2020/4/27</a:t>
             </a:fld>
             <a:endParaRPr lang="zh-CN" altLang="en-US"/>
           </a:p>
@@ -3462,7 +2789,7 @@
           <a:p>
             <a:fld id="{E1415B78-10EF-476D-BEC0-422FD58BF2A2}" type="datetimeFigureOut">
               <a:rPr lang="zh-CN" altLang="en-US" smtClean="0"/>
-              <a:t>2020/4/26</a:t>
+              <a:t>2020/4/27</a:t>
             </a:fld>
             <a:endParaRPr lang="zh-CN" altLang="en-US"/>
           </a:p>
@@ -3675,7 +3002,7 @@
           <a:p>
             <a:fld id="{E1415B78-10EF-476D-BEC0-422FD58BF2A2}" type="datetimeFigureOut">
               <a:rPr lang="zh-CN" altLang="en-US" smtClean="0"/>
-              <a:t>2020/4/26</a:t>
+              <a:t>2020/4/27</a:t>
             </a:fld>
             <a:endParaRPr lang="zh-CN" altLang="en-US"/>
           </a:p>
@@ -4947,11 +4274,11 @@
   <p:clrMapOvr>
     <a:masterClrMapping/>
   </p:clrMapOvr>
-  <mc:AlternateContent xmlns:mc="http://schemas.openxmlformats.org/markup-compatibility/2006">
-    <mc:Choice xmlns:p14="http://schemas.microsoft.com/office/powerpoint/2010/main" Requires="p14">
+  <mc:AlternateContent xmlns:mc="http://schemas.openxmlformats.org/markup-compatibility/2006" xmlns:p14="http://schemas.microsoft.com/office/powerpoint/2010/main">
+    <mc:Choice Requires="p14">
       <p:transition spd="slow" p14:dur="2000" advTm="118990"/>
     </mc:Choice>
-    <mc:Fallback>
+    <mc:Fallback xmlns="">
       <p:transition spd="slow" advTm="118990"/>
     </mc:Fallback>
   </mc:AlternateContent>
